--- a/J01 - Основы/J01 - Основы.pptx
+++ b/J01 - Основы/J01 - Основы.pptx
@@ -5476,7 +5476,7 @@
           <a:p>
             <a:fld id="{390D8FA9-BFF5-4A08-B9B8-F1DEEB2D4542}" type="datetimeFigureOut">
               <a:rPr lang="ru-RU" smtClean="0"/>
-              <a:t>13.11.2025</a:t>
+              <a:t>17.11.2025</a:t>
             </a:fld>
             <a:endParaRPr lang="ru-RU"/>
           </a:p>
@@ -5605,7 +5605,7 @@
           <a:p>
             <a:fld id="{E4B7EC7E-D938-4EF6-8159-C481223E3073}" type="datetimeFigureOut">
               <a:rPr lang="ru-RU" smtClean="0"/>
-              <a:t>13.11.2025</a:t>
+              <a:t>17.11.2025</a:t>
             </a:fld>
             <a:endParaRPr lang="ru-RU"/>
           </a:p>
@@ -5788,7 +5788,7 @@
           <a:p>
             <a:fld id="{E4B7EC7E-D938-4EF6-8159-C481223E3073}" type="datetimeFigureOut">
               <a:rPr lang="ru-RU" smtClean="0"/>
-              <a:t>13.11.2025</a:t>
+              <a:t>17.11.2025</a:t>
             </a:fld>
             <a:endParaRPr lang="ru-RU"/>
           </a:p>
@@ -5883,7 +5883,7 @@
           <a:p>
             <a:fld id="{E4B7EC7E-D938-4EF6-8159-C481223E3073}" type="datetimeFigureOut">
               <a:rPr lang="ru-RU" smtClean="0"/>
-              <a:t>13.11.2025</a:t>
+              <a:t>17.11.2025</a:t>
             </a:fld>
             <a:endParaRPr lang="ru-RU"/>
           </a:p>
@@ -6146,7 +6146,7 @@
           <a:p>
             <a:fld id="{E4B7EC7E-D938-4EF6-8159-C481223E3073}" type="datetimeFigureOut">
               <a:rPr lang="ru-RU" smtClean="0"/>
-              <a:t>13.11.2025</a:t>
+              <a:t>17.11.2025</a:t>
             </a:fld>
             <a:endParaRPr lang="ru-RU"/>
           </a:p>
@@ -6624,7 +6624,7 @@
           <a:p>
             <a:fld id="{E4B7EC7E-D938-4EF6-8159-C481223E3073}" type="datetimeFigureOut">
               <a:rPr lang="ru-RU" smtClean="0"/>
-              <a:t>13.11.2025</a:t>
+              <a:t>17.11.2025</a:t>
             </a:fld>
             <a:endParaRPr lang="ru-RU"/>
           </a:p>
@@ -7133,7 +7133,7 @@
             </a:r>
             <a:r>
               <a:rPr lang="ru-RU" dirty="0"/>
-              <a:t>Тема</a:t>
+              <a:t>Основы</a:t>
             </a:r>
           </a:p>
         </p:txBody>
@@ -29504,6 +29504,12 @@
 </file>
 
 <file path=customXml/item1.xml><?xml version="1.0" encoding="utf-8"?>
+<p:properties xmlns:p="http://schemas.microsoft.com/office/2006/metadata/properties" xmlns:xsi="http://www.w3.org/2001/XMLSchema-instance" xmlns:pc="http://schemas.microsoft.com/office/infopath/2007/PartnerControls">
+  <documentManagement/>
+</p:properties>
+</file>
+
+<file path=customXml/item2.xml><?xml version="1.0" encoding="utf-8"?>
 <ct:contentTypeSchema xmlns:ct="http://schemas.microsoft.com/office/2006/metadata/contentType" xmlns:ma="http://schemas.microsoft.com/office/2006/metadata/properties/metaAttributes" ct:_="" ma:_="" ma:contentTypeName="Документ" ma:contentTypeID="0x0101000B0F712BFA97D34087CB680683BA5EA0" ma:contentTypeVersion="7" ma:contentTypeDescription="Создание документа." ma:contentTypeScope="" ma:versionID="b672df4cf717814188d7b5d533b8fdb7">
   <xsd:schema xmlns:xsd="http://www.w3.org/2001/XMLSchema" xmlns:xs="http://www.w3.org/2001/XMLSchema" xmlns:p="http://schemas.microsoft.com/office/2006/metadata/properties" xmlns:ns2="9f70573d-11ac-4912-b01a-109087d151f5" targetNamespace="http://schemas.microsoft.com/office/2006/metadata/properties" ma:root="true" ma:fieldsID="0f53d06d25aa28179db5084bd02b4c1a" ns2:_="">
     <xsd:import namespace="9f70573d-11ac-4912-b01a-109087d151f5"/>
@@ -29667,12 +29673,6 @@
 </ct:contentTypeSchema>
 </file>
 
-<file path=customXml/item2.xml><?xml version="1.0" encoding="utf-8"?>
-<p:properties xmlns:p="http://schemas.microsoft.com/office/2006/metadata/properties" xmlns:xsi="http://www.w3.org/2001/XMLSchema-instance" xmlns:pc="http://schemas.microsoft.com/office/infopath/2007/PartnerControls">
-  <documentManagement/>
-</p:properties>
-</file>
-
 <file path=customXml/item3.xml><?xml version="1.0" encoding="utf-8"?>
 <?mso-contentType ?>
 <FormTemplates xmlns="http://schemas.microsoft.com/sharepoint/v3/contenttype/forms">
@@ -29683,6 +29683,22 @@
 </file>
 
 <file path=customXml/itemProps1.xml><?xml version="1.0" encoding="utf-8"?>
+<ds:datastoreItem xmlns:ds="http://schemas.openxmlformats.org/officeDocument/2006/customXml" ds:itemID="{DE8EAEB7-6DC6-4A85-97BE-0E93CAD87645}">
+  <ds:schemaRefs>
+    <ds:schemaRef ds:uri="http://www.w3.org/XML/1998/namespace"/>
+    <ds:schemaRef ds:uri="http://schemas.openxmlformats.org/package/2006/metadata/core-properties"/>
+    <ds:schemaRef ds:uri="http://purl.org/dc/dcmitype/"/>
+    <ds:schemaRef ds:uri="http://schemas.microsoft.com/office/2006/metadata/properties"/>
+    <ds:schemaRef ds:uri="http://schemas.microsoft.com/office/2006/documentManagement/types"/>
+    <ds:schemaRef ds:uri="http://purl.org/dc/terms/"/>
+    <ds:schemaRef ds:uri="http://purl.org/dc/elements/1.1/"/>
+    <ds:schemaRef ds:uri="http://schemas.microsoft.com/office/infopath/2007/PartnerControls"/>
+    <ds:schemaRef ds:uri="9f70573d-11ac-4912-b01a-109087d151f5"/>
+  </ds:schemaRefs>
+</ds:datastoreItem>
+</file>
+
+<file path=customXml/itemProps2.xml><?xml version="1.0" encoding="utf-8"?>
 <ds:datastoreItem xmlns:ds="http://schemas.openxmlformats.org/officeDocument/2006/customXml" ds:itemID="{65420F0F-0EE8-4507-9E46-C69888F8A266}">
   <ds:schemaRefs>
     <ds:schemaRef ds:uri="http://schemas.microsoft.com/office/2006/metadata/contentType"/>
@@ -29700,22 +29716,6 @@
 </ds:datastoreItem>
 </file>
 
-<file path=customXml/itemProps2.xml><?xml version="1.0" encoding="utf-8"?>
-<ds:datastoreItem xmlns:ds="http://schemas.openxmlformats.org/officeDocument/2006/customXml" ds:itemID="{DE8EAEB7-6DC6-4A85-97BE-0E93CAD87645}">
-  <ds:schemaRefs>
-    <ds:schemaRef ds:uri="http://www.w3.org/XML/1998/namespace"/>
-    <ds:schemaRef ds:uri="http://schemas.openxmlformats.org/package/2006/metadata/core-properties"/>
-    <ds:schemaRef ds:uri="http://purl.org/dc/dcmitype/"/>
-    <ds:schemaRef ds:uri="http://schemas.microsoft.com/office/2006/metadata/properties"/>
-    <ds:schemaRef ds:uri="http://schemas.microsoft.com/office/2006/documentManagement/types"/>
-    <ds:schemaRef ds:uri="http://purl.org/dc/terms/"/>
-    <ds:schemaRef ds:uri="http://purl.org/dc/elements/1.1/"/>
-    <ds:schemaRef ds:uri="http://schemas.microsoft.com/office/infopath/2007/PartnerControls"/>
-    <ds:schemaRef ds:uri="9f70573d-11ac-4912-b01a-109087d151f5"/>
-  </ds:schemaRefs>
-</ds:datastoreItem>
-</file>
-
 <file path=customXml/itemProps3.xml><?xml version="1.0" encoding="utf-8"?>
 <ds:datastoreItem xmlns:ds="http://schemas.openxmlformats.org/officeDocument/2006/customXml" ds:itemID="{B2914701-0229-4275-B44A-A50EA9D88224}">
   <ds:schemaRefs>
